--- a/doc/results_20140415/results.pptx
+++ b/doc/results_20140415/results.pptx
@@ -5,7 +5,10 @@
     <p:sldMasterId id="2147483648" r:id="rId1"/>
   </p:sldMasterIdLst>
   <p:sldIdLst>
-    <p:sldId id="257" r:id="rId2"/>
+    <p:sldId id="260" r:id="rId2"/>
+    <p:sldId id="261" r:id="rId3"/>
+    <p:sldId id="259" r:id="rId4"/>
+    <p:sldId id="258" r:id="rId5"/>
   </p:sldIdLst>
   <p:sldSz cx="9144000" cy="6858000" type="screen4x3"/>
   <p:notesSz cx="6858000" cy="9144000"/>
@@ -3059,43 +3062,9 @@
           <a:chExt cx="0" cy="0"/>
         </a:xfrm>
       </p:grpSpPr>
-      <p:sp>
-        <p:nvSpPr>
-          <p:cNvPr id="2" name="TextBox 1"/>
-          <p:cNvSpPr txBox="1"/>
-          <p:nvPr/>
-        </p:nvSpPr>
-        <p:spPr>
-          <a:xfrm>
-            <a:off x="0" y="0"/>
-            <a:ext cx="1091324" cy="369332"/>
-          </a:xfrm>
-          <a:prstGeom prst="rect">
-            <a:avLst/>
-          </a:prstGeom>
-          <a:noFill/>
-        </p:spPr>
-        <p:txBody>
-          <a:bodyPr wrap="none" rtlCol="0">
-            <a:spAutoFit/>
-          </a:bodyPr>
-          <a:lstStyle/>
-          <a:p>
-            <a:r>
-              <a:rPr lang="en-US" dirty="0" smtClean="0"/>
-              <a:t>New-</a:t>
-            </a:r>
-            <a:r>
-              <a:rPr lang="en-US" dirty="0" err="1" smtClean="0"/>
-              <a:t>york</a:t>
-            </a:r>
-            <a:endParaRPr lang="en-US" dirty="0"/>
-          </a:p>
-        </p:txBody>
-      </p:sp>
       <p:pic>
         <p:nvPicPr>
-          <p:cNvPr id="1027" name="Picture 3"/>
+          <p:cNvPr id="2050" name="Picture 2"/>
           <p:cNvPicPr>
             <a:picLocks noChangeAspect="1" noChangeArrowheads="1"/>
           </p:cNvPicPr>
@@ -3116,8 +3085,416 @@
         </p:blipFill>
         <p:spPr bwMode="auto">
           <a:xfrm>
-            <a:off x="2209800" y="609600"/>
-            <a:ext cx="4572000" cy="6054811"/>
+            <a:off x="1752600" y="501491"/>
+            <a:ext cx="5410200" cy="6196358"/>
+          </a:xfrm>
+          <a:prstGeom prst="rect">
+            <a:avLst/>
+          </a:prstGeom>
+          <a:noFill/>
+          <a:ln>
+            <a:noFill/>
+          </a:ln>
+          <a:extLst>
+            <a:ext uri="{909E8E84-426E-40DD-AFC4-6F175D3DCCD1}">
+              <a14:hiddenFill xmlns:a14="http://schemas.microsoft.com/office/drawing/2010/main">
+                <a:solidFill>
+                  <a:schemeClr val="accent1"/>
+                </a:solidFill>
+              </a14:hiddenFill>
+            </a:ext>
+            <a:ext uri="{91240B29-F687-4F45-9708-019B960494DF}">
+              <a14:hiddenLine xmlns:a14="http://schemas.microsoft.com/office/drawing/2010/main" w="9525">
+                <a:solidFill>
+                  <a:schemeClr val="tx1"/>
+                </a:solidFill>
+                <a:miter lim="800000"/>
+                <a:headEnd/>
+                <a:tailEnd/>
+              </a14:hiddenLine>
+            </a:ext>
+          </a:extLst>
+        </p:spPr>
+      </p:pic>
+      <p:sp>
+        <p:nvSpPr>
+          <p:cNvPr id="2" name="TextBox 1"/>
+          <p:cNvSpPr txBox="1"/>
+          <p:nvPr/>
+        </p:nvSpPr>
+        <p:spPr>
+          <a:xfrm>
+            <a:off x="-26624" y="0"/>
+            <a:ext cx="2640531" cy="369332"/>
+          </a:xfrm>
+          <a:prstGeom prst="rect">
+            <a:avLst/>
+          </a:prstGeom>
+          <a:noFill/>
+        </p:spPr>
+        <p:txBody>
+          <a:bodyPr wrap="none" rtlCol="0">
+            <a:spAutoFit/>
+          </a:bodyPr>
+          <a:lstStyle/>
+          <a:p>
+            <a:r>
+              <a:rPr lang="en-US" b="1" dirty="0" smtClean="0"/>
+              <a:t>ex_feature_new-york.xml</a:t>
+            </a:r>
+            <a:endParaRPr lang="en-US" b="1" dirty="0"/>
+          </a:p>
+        </p:txBody>
+      </p:sp>
+    </p:spTree>
+    <p:extLst>
+      <p:ext uri="{BB962C8B-B14F-4D97-AF65-F5344CB8AC3E}">
+        <p14:creationId xmlns:p14="http://schemas.microsoft.com/office/powerpoint/2010/main" val="685477890"/>
+      </p:ext>
+    </p:extLst>
+  </p:cSld>
+  <p:clrMapOvr>
+    <a:masterClrMapping/>
+  </p:clrMapOvr>
+</p:sld>
+</file>
+
+<file path=ppt/slides/slide2.xml><?xml version="1.0" encoding="utf-8"?>
+<p:sld xmlns:a="http://schemas.openxmlformats.org/drawingml/2006/main" xmlns:r="http://schemas.openxmlformats.org/officeDocument/2006/relationships" xmlns:p="http://schemas.openxmlformats.org/presentationml/2006/main">
+  <p:cSld>
+    <p:spTree>
+      <p:nvGrpSpPr>
+        <p:cNvPr id="1" name=""/>
+        <p:cNvGrpSpPr/>
+        <p:nvPr/>
+      </p:nvGrpSpPr>
+      <p:grpSpPr>
+        <a:xfrm>
+          <a:off x="0" y="0"/>
+          <a:ext cx="0" cy="0"/>
+          <a:chOff x="0" y="0"/>
+          <a:chExt cx="0" cy="0"/>
+        </a:xfrm>
+      </p:grpSpPr>
+      <p:pic>
+        <p:nvPicPr>
+          <p:cNvPr id="3074" name="Picture 2"/>
+          <p:cNvPicPr>
+            <a:picLocks noChangeAspect="1" noChangeArrowheads="1"/>
+          </p:cNvPicPr>
+          <p:nvPr/>
+        </p:nvPicPr>
+        <p:blipFill>
+          <a:blip r:embed="rId2">
+            <a:extLst>
+              <a:ext uri="{28A0092B-C50C-407E-A947-70E740481C1C}">
+                <a14:useLocalDpi xmlns:a14="http://schemas.microsoft.com/office/drawing/2010/main" val="0"/>
+              </a:ext>
+            </a:extLst>
+          </a:blip>
+          <a:srcRect/>
+          <a:stretch>
+            <a:fillRect/>
+          </a:stretch>
+        </p:blipFill>
+        <p:spPr bwMode="auto">
+          <a:xfrm>
+            <a:off x="152400" y="787856"/>
+            <a:ext cx="4343400" cy="5797692"/>
+          </a:xfrm>
+          <a:prstGeom prst="rect">
+            <a:avLst/>
+          </a:prstGeom>
+          <a:noFill/>
+          <a:ln>
+            <a:noFill/>
+          </a:ln>
+          <a:extLst>
+            <a:ext uri="{909E8E84-426E-40DD-AFC4-6F175D3DCCD1}">
+              <a14:hiddenFill xmlns:a14="http://schemas.microsoft.com/office/drawing/2010/main">
+                <a:solidFill>
+                  <a:schemeClr val="accent1"/>
+                </a:solidFill>
+              </a14:hiddenFill>
+            </a:ext>
+            <a:ext uri="{91240B29-F687-4F45-9708-019B960494DF}">
+              <a14:hiddenLine xmlns:a14="http://schemas.microsoft.com/office/drawing/2010/main" w="9525">
+                <a:solidFill>
+                  <a:schemeClr val="tx1"/>
+                </a:solidFill>
+                <a:miter lim="800000"/>
+                <a:headEnd/>
+                <a:tailEnd/>
+              </a14:hiddenLine>
+            </a:ext>
+          </a:extLst>
+        </p:spPr>
+      </p:pic>
+      <p:pic>
+        <p:nvPicPr>
+          <p:cNvPr id="3075" name="Picture 3"/>
+          <p:cNvPicPr>
+            <a:picLocks noChangeAspect="1" noChangeArrowheads="1"/>
+          </p:cNvPicPr>
+          <p:nvPr/>
+        </p:nvPicPr>
+        <p:blipFill>
+          <a:blip r:embed="rId3">
+            <a:extLst>
+              <a:ext uri="{28A0092B-C50C-407E-A947-70E740481C1C}">
+                <a14:useLocalDpi xmlns:a14="http://schemas.microsoft.com/office/drawing/2010/main" val="0"/>
+              </a:ext>
+            </a:extLst>
+          </a:blip>
+          <a:srcRect/>
+          <a:stretch>
+            <a:fillRect/>
+          </a:stretch>
+        </p:blipFill>
+        <p:spPr bwMode="auto">
+          <a:xfrm>
+            <a:off x="4531963" y="990600"/>
+            <a:ext cx="4510249" cy="5357813"/>
+          </a:xfrm>
+          <a:prstGeom prst="rect">
+            <a:avLst/>
+          </a:prstGeom>
+          <a:noFill/>
+          <a:ln>
+            <a:noFill/>
+          </a:ln>
+          <a:extLst>
+            <a:ext uri="{909E8E84-426E-40DD-AFC4-6F175D3DCCD1}">
+              <a14:hiddenFill xmlns:a14="http://schemas.microsoft.com/office/drawing/2010/main">
+                <a:solidFill>
+                  <a:schemeClr val="accent1"/>
+                </a:solidFill>
+              </a14:hiddenFill>
+            </a:ext>
+            <a:ext uri="{91240B29-F687-4F45-9708-019B960494DF}">
+              <a14:hiddenLine xmlns:a14="http://schemas.microsoft.com/office/drawing/2010/main" w="9525">
+                <a:solidFill>
+                  <a:schemeClr val="tx1"/>
+                </a:solidFill>
+                <a:miter lim="800000"/>
+                <a:headEnd/>
+                <a:tailEnd/>
+              </a14:hiddenLine>
+            </a:ext>
+          </a:extLst>
+        </p:spPr>
+      </p:pic>
+      <p:sp>
+        <p:nvSpPr>
+          <p:cNvPr id="2" name="TextBox 1"/>
+          <p:cNvSpPr txBox="1"/>
+          <p:nvPr/>
+        </p:nvSpPr>
+        <p:spPr>
+          <a:xfrm>
+            <a:off x="-9181" y="0"/>
+            <a:ext cx="9153181" cy="646331"/>
+          </a:xfrm>
+          <a:prstGeom prst="rect">
+            <a:avLst/>
+          </a:prstGeom>
+          <a:noFill/>
+        </p:spPr>
+        <p:txBody>
+          <a:bodyPr wrap="square" rtlCol="0">
+            <a:spAutoFit/>
+          </a:bodyPr>
+          <a:lstStyle/>
+          <a:p>
+            <a:r>
+              <a:rPr lang="ja-JP" altLang="en-US" dirty="0" smtClean="0"/>
+              <a:t>各シードから出る道路エッジの回転角度は、一定としているが、近接２シードの</a:t>
+            </a:r>
+            <a:r>
+              <a:rPr lang="en-US" altLang="ja-JP" dirty="0" smtClean="0"/>
+              <a:t>interpolation</a:t>
+            </a:r>
+            <a:r>
+              <a:rPr lang="ja-JP" altLang="en-US" dirty="0" smtClean="0"/>
+              <a:t>とすべきで</a:t>
+            </a:r>
+            <a:r>
+              <a:rPr lang="ja-JP" altLang="en-US" smtClean="0"/>
+              <a:t>は？　そうすると、もう少しスムースな感じになると思われる。</a:t>
+            </a:r>
+            <a:endParaRPr lang="en-US" dirty="0"/>
+          </a:p>
+        </p:txBody>
+      </p:sp>
+    </p:spTree>
+    <p:extLst>
+      <p:ext uri="{BB962C8B-B14F-4D97-AF65-F5344CB8AC3E}">
+        <p14:creationId xmlns:p14="http://schemas.microsoft.com/office/powerpoint/2010/main" val="2721284655"/>
+      </p:ext>
+    </p:extLst>
+  </p:cSld>
+  <p:clrMapOvr>
+    <a:masterClrMapping/>
+  </p:clrMapOvr>
+</p:sld>
+</file>
+
+<file path=ppt/slides/slide3.xml><?xml version="1.0" encoding="utf-8"?>
+<p:sld xmlns:a="http://schemas.openxmlformats.org/drawingml/2006/main" xmlns:r="http://schemas.openxmlformats.org/officeDocument/2006/relationships" xmlns:p="http://schemas.openxmlformats.org/presentationml/2006/main">
+  <p:cSld>
+    <p:spTree>
+      <p:nvGrpSpPr>
+        <p:cNvPr id="1" name=""/>
+        <p:cNvGrpSpPr/>
+        <p:nvPr/>
+      </p:nvGrpSpPr>
+      <p:grpSpPr>
+        <a:xfrm>
+          <a:off x="0" y="0"/>
+          <a:ext cx="0" cy="0"/>
+          <a:chOff x="0" y="0"/>
+          <a:chExt cx="0" cy="0"/>
+        </a:xfrm>
+      </p:grpSpPr>
+      <p:pic>
+        <p:nvPicPr>
+          <p:cNvPr id="2" name="Picture 2"/>
+          <p:cNvPicPr>
+            <a:picLocks noChangeAspect="1" noChangeArrowheads="1"/>
+          </p:cNvPicPr>
+          <p:nvPr/>
+        </p:nvPicPr>
+        <p:blipFill>
+          <a:blip r:embed="rId2">
+            <a:extLst>
+              <a:ext uri="{28A0092B-C50C-407E-A947-70E740481C1C}">
+                <a14:useLocalDpi xmlns:a14="http://schemas.microsoft.com/office/drawing/2010/main" val="0"/>
+              </a:ext>
+            </a:extLst>
+          </a:blip>
+          <a:srcRect/>
+          <a:stretch>
+            <a:fillRect/>
+          </a:stretch>
+        </p:blipFill>
+        <p:spPr bwMode="auto">
+          <a:xfrm>
+            <a:off x="1466850" y="1143000"/>
+            <a:ext cx="6248400" cy="5143500"/>
+          </a:xfrm>
+          <a:prstGeom prst="rect">
+            <a:avLst/>
+          </a:prstGeom>
+          <a:noFill/>
+          <a:ln>
+            <a:noFill/>
+          </a:ln>
+          <a:extLst>
+            <a:ext uri="{909E8E84-426E-40DD-AFC4-6F175D3DCCD1}">
+              <a14:hiddenFill xmlns:a14="http://schemas.microsoft.com/office/drawing/2010/main">
+                <a:solidFill>
+                  <a:schemeClr val="accent1"/>
+                </a:solidFill>
+              </a14:hiddenFill>
+            </a:ext>
+            <a:ext uri="{91240B29-F687-4F45-9708-019B960494DF}">
+              <a14:hiddenLine xmlns:a14="http://schemas.microsoft.com/office/drawing/2010/main" w="9525">
+                <a:solidFill>
+                  <a:schemeClr val="tx1"/>
+                </a:solidFill>
+                <a:miter lim="800000"/>
+                <a:headEnd/>
+                <a:tailEnd/>
+              </a14:hiddenLine>
+            </a:ext>
+          </a:extLst>
+        </p:spPr>
+      </p:pic>
+      <p:sp>
+        <p:nvSpPr>
+          <p:cNvPr id="3" name="TextBox 2"/>
+          <p:cNvSpPr txBox="1"/>
+          <p:nvPr/>
+        </p:nvSpPr>
+        <p:spPr>
+          <a:xfrm>
+            <a:off x="-26624" y="0"/>
+            <a:ext cx="2559547" cy="369332"/>
+          </a:xfrm>
+          <a:prstGeom prst="rect">
+            <a:avLst/>
+          </a:prstGeom>
+          <a:noFill/>
+        </p:spPr>
+        <p:txBody>
+          <a:bodyPr wrap="none" rtlCol="0">
+            <a:spAutoFit/>
+          </a:bodyPr>
+          <a:lstStyle/>
+          <a:p>
+            <a:r>
+              <a:rPr lang="en-US" b="1" dirty="0" smtClean="0"/>
+              <a:t>ex_feature_tel-aviv2.xml</a:t>
+            </a:r>
+            <a:endParaRPr lang="en-US" b="1" dirty="0"/>
+          </a:p>
+        </p:txBody>
+      </p:sp>
+    </p:spTree>
+    <p:extLst>
+      <p:ext uri="{BB962C8B-B14F-4D97-AF65-F5344CB8AC3E}">
+        <p14:creationId xmlns:p14="http://schemas.microsoft.com/office/powerpoint/2010/main" val="2998066410"/>
+      </p:ext>
+    </p:extLst>
+  </p:cSld>
+  <p:clrMapOvr>
+    <a:masterClrMapping/>
+  </p:clrMapOvr>
+</p:sld>
+</file>
+
+<file path=ppt/slides/slide4.xml><?xml version="1.0" encoding="utf-8"?>
+<p:sld xmlns:a="http://schemas.openxmlformats.org/drawingml/2006/main" xmlns:r="http://schemas.openxmlformats.org/officeDocument/2006/relationships" xmlns:p="http://schemas.openxmlformats.org/presentationml/2006/main">
+  <p:cSld>
+    <p:spTree>
+      <p:nvGrpSpPr>
+        <p:cNvPr id="1" name=""/>
+        <p:cNvGrpSpPr/>
+        <p:nvPr/>
+      </p:nvGrpSpPr>
+      <p:grpSpPr>
+        <a:xfrm>
+          <a:off x="0" y="0"/>
+          <a:ext cx="0" cy="0"/>
+          <a:chOff x="0" y="0"/>
+          <a:chExt cx="0" cy="0"/>
+        </a:xfrm>
+      </p:grpSpPr>
+      <p:pic>
+        <p:nvPicPr>
+          <p:cNvPr id="1026" name="Picture 2"/>
+          <p:cNvPicPr>
+            <a:picLocks noChangeAspect="1" noChangeArrowheads="1"/>
+          </p:cNvPicPr>
+          <p:nvPr/>
+        </p:nvPicPr>
+        <p:blipFill>
+          <a:blip r:embed="rId2">
+            <a:extLst>
+              <a:ext uri="{28A0092B-C50C-407E-A947-70E740481C1C}">
+                <a14:useLocalDpi xmlns:a14="http://schemas.microsoft.com/office/drawing/2010/main" val="0"/>
+              </a:ext>
+            </a:extLst>
+          </a:blip>
+          <a:srcRect/>
+          <a:stretch>
+            <a:fillRect/>
+          </a:stretch>
+        </p:blipFill>
+        <p:spPr bwMode="auto">
+          <a:xfrm>
+            <a:off x="1219200" y="1295400"/>
+            <a:ext cx="5715000" cy="5013055"/>
           </a:xfrm>
           <a:prstGeom prst="rect">
             <a:avLst/>
@@ -3150,7 +3527,7 @@
     </p:spTree>
     <p:extLst>
       <p:ext uri="{BB962C8B-B14F-4D97-AF65-F5344CB8AC3E}">
-        <p14:creationId xmlns:p14="http://schemas.microsoft.com/office/powerpoint/2010/main" val="353337313"/>
+        <p14:creationId xmlns:p14="http://schemas.microsoft.com/office/powerpoint/2010/main" val="3916455267"/>
       </p:ext>
     </p:extLst>
   </p:cSld>
